--- a/report/powerpoint.pptx
+++ b/report/powerpoint.pptx
@@ -259,7 +259,7 @@
           <a:p>
             <a:fld id="{2DBD2552-C6F3-6E4F-A482-20E3336EF52B}" type="datetimeFigureOut">
               <a:rPr lang="en-US" smtClean="0"/>
-              <a:t>1/22/26</a:t>
+              <a:t>1/30/26</a:t>
             </a:fld>
             <a:endParaRPr lang="en-US"/>
           </a:p>
@@ -457,7 +457,7 @@
           <a:p>
             <a:fld id="{2DBD2552-C6F3-6E4F-A482-20E3336EF52B}" type="datetimeFigureOut">
               <a:rPr lang="en-US" smtClean="0"/>
-              <a:t>1/22/26</a:t>
+              <a:t>1/30/26</a:t>
             </a:fld>
             <a:endParaRPr lang="en-US"/>
           </a:p>
@@ -665,7 +665,7 @@
           <a:p>
             <a:fld id="{2DBD2552-C6F3-6E4F-A482-20E3336EF52B}" type="datetimeFigureOut">
               <a:rPr lang="en-US" smtClean="0"/>
-              <a:t>1/22/26</a:t>
+              <a:t>1/30/26</a:t>
             </a:fld>
             <a:endParaRPr lang="en-US"/>
           </a:p>
@@ -863,7 +863,7 @@
           <a:p>
             <a:fld id="{2DBD2552-C6F3-6E4F-A482-20E3336EF52B}" type="datetimeFigureOut">
               <a:rPr lang="en-US" smtClean="0"/>
-              <a:t>1/22/26</a:t>
+              <a:t>1/30/26</a:t>
             </a:fld>
             <a:endParaRPr lang="en-US"/>
           </a:p>
@@ -1138,7 +1138,7 @@
           <a:p>
             <a:fld id="{2DBD2552-C6F3-6E4F-A482-20E3336EF52B}" type="datetimeFigureOut">
               <a:rPr lang="en-US" smtClean="0"/>
-              <a:t>1/22/26</a:t>
+              <a:t>1/30/26</a:t>
             </a:fld>
             <a:endParaRPr lang="en-US"/>
           </a:p>
@@ -1403,7 +1403,7 @@
           <a:p>
             <a:fld id="{2DBD2552-C6F3-6E4F-A482-20E3336EF52B}" type="datetimeFigureOut">
               <a:rPr lang="en-US" smtClean="0"/>
-              <a:t>1/22/26</a:t>
+              <a:t>1/30/26</a:t>
             </a:fld>
             <a:endParaRPr lang="en-US"/>
           </a:p>
@@ -1815,7 +1815,7 @@
           <a:p>
             <a:fld id="{2DBD2552-C6F3-6E4F-A482-20E3336EF52B}" type="datetimeFigureOut">
               <a:rPr lang="en-US" smtClean="0"/>
-              <a:t>1/22/26</a:t>
+              <a:t>1/30/26</a:t>
             </a:fld>
             <a:endParaRPr lang="en-US"/>
           </a:p>
@@ -1956,7 +1956,7 @@
           <a:p>
             <a:fld id="{2DBD2552-C6F3-6E4F-A482-20E3336EF52B}" type="datetimeFigureOut">
               <a:rPr lang="en-US" smtClean="0"/>
-              <a:t>1/22/26</a:t>
+              <a:t>1/30/26</a:t>
             </a:fld>
             <a:endParaRPr lang="en-US"/>
           </a:p>
@@ -2069,7 +2069,7 @@
           <a:p>
             <a:fld id="{2DBD2552-C6F3-6E4F-A482-20E3336EF52B}" type="datetimeFigureOut">
               <a:rPr lang="en-US" smtClean="0"/>
-              <a:t>1/22/26</a:t>
+              <a:t>1/30/26</a:t>
             </a:fld>
             <a:endParaRPr lang="en-US"/>
           </a:p>
@@ -2380,7 +2380,7 @@
           <a:p>
             <a:fld id="{2DBD2552-C6F3-6E4F-A482-20E3336EF52B}" type="datetimeFigureOut">
               <a:rPr lang="en-US" smtClean="0"/>
-              <a:t>1/22/26</a:t>
+              <a:t>1/30/26</a:t>
             </a:fld>
             <a:endParaRPr lang="en-US"/>
           </a:p>
@@ -2668,7 +2668,7 @@
           <a:p>
             <a:fld id="{2DBD2552-C6F3-6E4F-A482-20E3336EF52B}" type="datetimeFigureOut">
               <a:rPr lang="en-US" smtClean="0"/>
-              <a:t>1/22/26</a:t>
+              <a:t>1/30/26</a:t>
             </a:fld>
             <a:endParaRPr lang="en-US"/>
           </a:p>
@@ -2909,7 +2909,7 @@
           <a:p>
             <a:fld id="{2DBD2552-C6F3-6E4F-A482-20E3336EF52B}" type="datetimeFigureOut">
               <a:rPr lang="en-US" smtClean="0"/>
-              <a:t>1/22/26</a:t>
+              <a:t>1/30/26</a:t>
             </a:fld>
             <a:endParaRPr lang="en-US"/>
           </a:p>
@@ -3342,7 +3342,7 @@
         </p:nvSpPr>
         <p:spPr>
           <a:xfrm>
-            <a:off x="2079204" y="1923891"/>
+            <a:off x="2079204" y="2541404"/>
             <a:ext cx="491244" cy="485975"/>
           </a:xfrm>
           <a:prstGeom prst="ellipse">
@@ -3395,7 +3395,7 @@
         </p:nvSpPr>
         <p:spPr>
           <a:xfrm>
-            <a:off x="2079204" y="3186012"/>
+            <a:off x="2079204" y="3803525"/>
             <a:ext cx="491244" cy="485975"/>
           </a:xfrm>
           <a:prstGeom prst="ellipse">
@@ -3448,7 +3448,7 @@
         </p:nvSpPr>
         <p:spPr>
           <a:xfrm>
-            <a:off x="2079204" y="4985162"/>
+            <a:off x="2079204" y="5602675"/>
             <a:ext cx="491244" cy="485975"/>
           </a:xfrm>
           <a:prstGeom prst="ellipse">
@@ -3501,7 +3501,7 @@
         </p:nvSpPr>
         <p:spPr>
           <a:xfrm>
-            <a:off x="4031375" y="1390733"/>
+            <a:off x="4031375" y="2008246"/>
             <a:ext cx="491244" cy="485975"/>
           </a:xfrm>
           <a:prstGeom prst="ellipse">
@@ -3554,7 +3554,7 @@
         </p:nvSpPr>
         <p:spPr>
           <a:xfrm>
-            <a:off x="4031375" y="2409866"/>
+            <a:off x="4031375" y="3027379"/>
             <a:ext cx="491244" cy="485975"/>
           </a:xfrm>
           <a:prstGeom prst="ellipse">
@@ -3607,7 +3607,7 @@
         </p:nvSpPr>
         <p:spPr>
           <a:xfrm>
-            <a:off x="4031375" y="4985162"/>
+            <a:off x="4031375" y="5602675"/>
             <a:ext cx="491244" cy="485975"/>
           </a:xfrm>
           <a:prstGeom prst="ellipse">
@@ -3660,7 +3660,7 @@
         </p:nvSpPr>
         <p:spPr>
           <a:xfrm>
-            <a:off x="4031375" y="3428999"/>
+            <a:off x="4031375" y="4046512"/>
             <a:ext cx="491244" cy="485975"/>
           </a:xfrm>
           <a:prstGeom prst="ellipse">
@@ -3707,6 +3707,7 @@
             </a:extLst>
           </p:cNvPr>
           <p:cNvCxnSpPr>
+            <a:cxnSpLocks/>
             <a:stCxn id="4" idx="6"/>
             <a:endCxn id="9" idx="2"/>
           </p:cNvCxnSpPr>
@@ -3714,7 +3715,7 @@
         </p:nvCxnSpPr>
         <p:spPr>
           <a:xfrm flipV="1">
-            <a:off x="2570448" y="1633721"/>
+            <a:off x="2570448" y="2251234"/>
             <a:ext cx="1460927" cy="533158"/>
           </a:xfrm>
           <a:prstGeom prst="straightConnector1">
@@ -3760,7 +3761,7 @@
         </p:nvCxnSpPr>
         <p:spPr>
           <a:xfrm>
-            <a:off x="2570448" y="2166879"/>
+            <a:off x="2570448" y="2784392"/>
             <a:ext cx="1460927" cy="485975"/>
           </a:xfrm>
           <a:prstGeom prst="straightConnector1">
@@ -3806,7 +3807,7 @@
         </p:nvCxnSpPr>
         <p:spPr>
           <a:xfrm>
-            <a:off x="2570448" y="2166879"/>
+            <a:off x="2570448" y="2784392"/>
             <a:ext cx="1460927" cy="1505108"/>
           </a:xfrm>
           <a:prstGeom prst="straightConnector1">
@@ -3852,7 +3853,7 @@
         </p:nvCxnSpPr>
         <p:spPr>
           <a:xfrm>
-            <a:off x="2570448" y="2166879"/>
+            <a:off x="2570448" y="2784392"/>
             <a:ext cx="1460927" cy="3061271"/>
           </a:xfrm>
           <a:prstGeom prst="straightConnector1">
@@ -3898,7 +3899,7 @@
         </p:nvCxnSpPr>
         <p:spPr>
           <a:xfrm flipV="1">
-            <a:off x="2570448" y="1633721"/>
+            <a:off x="2570448" y="2251234"/>
             <a:ext cx="1460927" cy="1795279"/>
           </a:xfrm>
           <a:prstGeom prst="straightConnector1">
@@ -3944,7 +3945,7 @@
         </p:nvCxnSpPr>
         <p:spPr>
           <a:xfrm flipV="1">
-            <a:off x="2570448" y="2652854"/>
+            <a:off x="2570448" y="3270367"/>
             <a:ext cx="1460927" cy="776146"/>
           </a:xfrm>
           <a:prstGeom prst="straightConnector1">
@@ -3990,7 +3991,7 @@
         </p:nvCxnSpPr>
         <p:spPr>
           <a:xfrm>
-            <a:off x="2570448" y="3429000"/>
+            <a:off x="2570448" y="4046513"/>
             <a:ext cx="1460927" cy="242987"/>
           </a:xfrm>
           <a:prstGeom prst="straightConnector1">
@@ -4036,7 +4037,7 @@
         </p:nvCxnSpPr>
         <p:spPr>
           <a:xfrm>
-            <a:off x="2570448" y="3429000"/>
+            <a:off x="2570448" y="4046513"/>
             <a:ext cx="1460927" cy="1799150"/>
           </a:xfrm>
           <a:prstGeom prst="straightConnector1">
@@ -4079,7 +4080,7 @@
         </p:nvCxnSpPr>
         <p:spPr>
           <a:xfrm flipV="1">
-            <a:off x="2570448" y="1633721"/>
+            <a:off x="2570448" y="2251234"/>
             <a:ext cx="1460927" cy="3594429"/>
           </a:xfrm>
           <a:prstGeom prst="straightConnector1">
@@ -4125,7 +4126,7 @@
         </p:nvCxnSpPr>
         <p:spPr>
           <a:xfrm flipV="1">
-            <a:off x="2570448" y="2652854"/>
+            <a:off x="2570448" y="3270367"/>
             <a:ext cx="1460927" cy="2575296"/>
           </a:xfrm>
           <a:prstGeom prst="straightConnector1">
@@ -4171,7 +4172,7 @@
         </p:nvCxnSpPr>
         <p:spPr>
           <a:xfrm flipV="1">
-            <a:off x="2570448" y="3671987"/>
+            <a:off x="2570448" y="4289500"/>
             <a:ext cx="1460927" cy="1556163"/>
           </a:xfrm>
           <a:prstGeom prst="straightConnector1">
@@ -4217,7 +4218,7 @@
         </p:nvCxnSpPr>
         <p:spPr>
           <a:xfrm>
-            <a:off x="2570448" y="5228150"/>
+            <a:off x="2570448" y="5845663"/>
             <a:ext cx="1460927" cy="0"/>
           </a:xfrm>
           <a:prstGeom prst="straightConnector1">
@@ -4261,7 +4262,7 @@
         </p:nvSpPr>
         <p:spPr>
           <a:xfrm>
-            <a:off x="5522750" y="1390733"/>
+            <a:off x="5522750" y="2008246"/>
             <a:ext cx="491244" cy="485975"/>
           </a:xfrm>
           <a:prstGeom prst="ellipse">
@@ -4314,7 +4315,7 @@
         </p:nvSpPr>
         <p:spPr>
           <a:xfrm>
-            <a:off x="5522750" y="2409866"/>
+            <a:off x="5522750" y="3027379"/>
             <a:ext cx="491244" cy="485975"/>
           </a:xfrm>
           <a:prstGeom prst="ellipse">
@@ -4367,7 +4368,7 @@
         </p:nvSpPr>
         <p:spPr>
           <a:xfrm>
-            <a:off x="5522750" y="4985162"/>
+            <a:off x="5522750" y="5602675"/>
             <a:ext cx="491244" cy="485975"/>
           </a:xfrm>
           <a:prstGeom prst="ellipse">
@@ -4420,7 +4421,7 @@
         </p:nvSpPr>
         <p:spPr>
           <a:xfrm>
-            <a:off x="5522750" y="3428999"/>
+            <a:off x="5522750" y="4046512"/>
             <a:ext cx="491244" cy="485975"/>
           </a:xfrm>
           <a:prstGeom prst="ellipse">
@@ -4475,7 +4476,7 @@
         </p:nvCxnSpPr>
         <p:spPr>
           <a:xfrm>
-            <a:off x="4522619" y="1633721"/>
+            <a:off x="4522619" y="2251234"/>
             <a:ext cx="1000131" cy="0"/>
           </a:xfrm>
           <a:prstGeom prst="straightConnector1">
@@ -4521,7 +4522,7 @@
         </p:nvCxnSpPr>
         <p:spPr>
           <a:xfrm>
-            <a:off x="4522619" y="1633721"/>
+            <a:off x="4522619" y="2251234"/>
             <a:ext cx="1000131" cy="1019133"/>
           </a:xfrm>
           <a:prstGeom prst="straightConnector1">
@@ -4567,7 +4568,7 @@
         </p:nvCxnSpPr>
         <p:spPr>
           <a:xfrm>
-            <a:off x="4522619" y="1633721"/>
+            <a:off x="4522619" y="2251234"/>
             <a:ext cx="1000131" cy="2038266"/>
           </a:xfrm>
           <a:prstGeom prst="straightConnector1">
@@ -4613,7 +4614,7 @@
         </p:nvCxnSpPr>
         <p:spPr>
           <a:xfrm>
-            <a:off x="4522619" y="1633721"/>
+            <a:off x="4522619" y="2251234"/>
             <a:ext cx="1000131" cy="3594429"/>
           </a:xfrm>
           <a:prstGeom prst="straightConnector1">
@@ -4659,7 +4660,7 @@
         </p:nvCxnSpPr>
         <p:spPr>
           <a:xfrm>
-            <a:off x="4522619" y="2652854"/>
+            <a:off x="4522619" y="3270367"/>
             <a:ext cx="1000131" cy="0"/>
           </a:xfrm>
           <a:prstGeom prst="straightConnector1">
@@ -4705,7 +4706,7 @@
         </p:nvCxnSpPr>
         <p:spPr>
           <a:xfrm>
-            <a:off x="4522619" y="2652854"/>
+            <a:off x="4522619" y="3270367"/>
             <a:ext cx="1000131" cy="1019133"/>
           </a:xfrm>
           <a:prstGeom prst="straightConnector1">
@@ -4751,7 +4752,7 @@
         </p:nvCxnSpPr>
         <p:spPr>
           <a:xfrm>
-            <a:off x="4522619" y="2652854"/>
+            <a:off x="4522619" y="3270367"/>
             <a:ext cx="1000131" cy="2575296"/>
           </a:xfrm>
           <a:prstGeom prst="straightConnector1">
@@ -4797,7 +4798,7 @@
         </p:nvCxnSpPr>
         <p:spPr>
           <a:xfrm>
-            <a:off x="4522619" y="3671987"/>
+            <a:off x="4522619" y="4289500"/>
             <a:ext cx="1000131" cy="1556163"/>
           </a:xfrm>
           <a:prstGeom prst="straightConnector1">
@@ -4843,7 +4844,7 @@
         </p:nvCxnSpPr>
         <p:spPr>
           <a:xfrm>
-            <a:off x="4522619" y="3671987"/>
+            <a:off x="4522619" y="4289500"/>
             <a:ext cx="1000131" cy="0"/>
           </a:xfrm>
           <a:prstGeom prst="straightConnector1">
@@ -4889,7 +4890,7 @@
         </p:nvCxnSpPr>
         <p:spPr>
           <a:xfrm flipV="1">
-            <a:off x="4522619" y="2652854"/>
+            <a:off x="4522619" y="3270367"/>
             <a:ext cx="1000131" cy="1019133"/>
           </a:xfrm>
           <a:prstGeom prst="straightConnector1">
@@ -4935,7 +4936,7 @@
         </p:nvCxnSpPr>
         <p:spPr>
           <a:xfrm flipV="1">
-            <a:off x="4522619" y="1633721"/>
+            <a:off x="4522619" y="2251234"/>
             <a:ext cx="1000131" cy="2038266"/>
           </a:xfrm>
           <a:prstGeom prst="straightConnector1">
@@ -4981,7 +4982,7 @@
         </p:nvCxnSpPr>
         <p:spPr>
           <a:xfrm flipV="1">
-            <a:off x="4522619" y="1633721"/>
+            <a:off x="4522619" y="2251234"/>
             <a:ext cx="1000131" cy="3594429"/>
           </a:xfrm>
           <a:prstGeom prst="straightConnector1">
@@ -5027,7 +5028,7 @@
         </p:nvCxnSpPr>
         <p:spPr>
           <a:xfrm flipV="1">
-            <a:off x="4522619" y="1633721"/>
+            <a:off x="4522619" y="2251234"/>
             <a:ext cx="1000131" cy="1019133"/>
           </a:xfrm>
           <a:prstGeom prst="straightConnector1">
@@ -5073,7 +5074,7 @@
         </p:nvCxnSpPr>
         <p:spPr>
           <a:xfrm flipV="1">
-            <a:off x="4522619" y="2652854"/>
+            <a:off x="4522619" y="3270367"/>
             <a:ext cx="1000131" cy="2575296"/>
           </a:xfrm>
           <a:prstGeom prst="straightConnector1">
@@ -5119,7 +5120,7 @@
         </p:nvCxnSpPr>
         <p:spPr>
           <a:xfrm flipV="1">
-            <a:off x="4522619" y="3671987"/>
+            <a:off x="4522619" y="4289500"/>
             <a:ext cx="1000131" cy="1556163"/>
           </a:xfrm>
           <a:prstGeom prst="straightConnector1">
@@ -5165,7 +5166,7 @@
         </p:nvCxnSpPr>
         <p:spPr>
           <a:xfrm>
-            <a:off x="4522619" y="5228150"/>
+            <a:off x="4522619" y="5845663"/>
             <a:ext cx="1000131" cy="0"/>
           </a:xfrm>
           <a:prstGeom prst="straightConnector1">
@@ -5209,7 +5210,7 @@
         </p:nvSpPr>
         <p:spPr>
           <a:xfrm>
-            <a:off x="7351610" y="1923891"/>
+            <a:off x="7351610" y="2541404"/>
             <a:ext cx="491244" cy="485975"/>
           </a:xfrm>
           <a:prstGeom prst="ellipse">
@@ -5262,7 +5263,7 @@
         </p:nvSpPr>
         <p:spPr>
           <a:xfrm>
-            <a:off x="7351610" y="3186012"/>
+            <a:off x="7351610" y="3803525"/>
             <a:ext cx="491244" cy="485975"/>
           </a:xfrm>
           <a:prstGeom prst="ellipse">
@@ -5315,7 +5316,7 @@
         </p:nvSpPr>
         <p:spPr>
           <a:xfrm>
-            <a:off x="7351610" y="4985162"/>
+            <a:off x="7351610" y="5602675"/>
             <a:ext cx="491244" cy="485975"/>
           </a:xfrm>
           <a:prstGeom prst="ellipse">
@@ -5370,7 +5371,7 @@
         </p:nvCxnSpPr>
         <p:spPr>
           <a:xfrm>
-            <a:off x="6013994" y="5228150"/>
+            <a:off x="6013994" y="5845663"/>
             <a:ext cx="1337616" cy="0"/>
           </a:xfrm>
           <a:prstGeom prst="straightConnector1">
@@ -5416,7 +5417,7 @@
         </p:nvCxnSpPr>
         <p:spPr>
           <a:xfrm flipV="1">
-            <a:off x="6013994" y="3429000"/>
+            <a:off x="6013994" y="4046513"/>
             <a:ext cx="1337616" cy="1799150"/>
           </a:xfrm>
           <a:prstGeom prst="straightConnector1">
@@ -5462,7 +5463,7 @@
         </p:nvCxnSpPr>
         <p:spPr>
           <a:xfrm flipV="1">
-            <a:off x="6013994" y="2166879"/>
+            <a:off x="6013994" y="2784392"/>
             <a:ext cx="1337616" cy="3061271"/>
           </a:xfrm>
           <a:prstGeom prst="straightConnector1">
@@ -5508,7 +5509,7 @@
         </p:nvCxnSpPr>
         <p:spPr>
           <a:xfrm flipV="1">
-            <a:off x="6013994" y="2166879"/>
+            <a:off x="6013994" y="2784392"/>
             <a:ext cx="1337616" cy="1505108"/>
           </a:xfrm>
           <a:prstGeom prst="straightConnector1">
@@ -5554,7 +5555,7 @@
         </p:nvCxnSpPr>
         <p:spPr>
           <a:xfrm flipV="1">
-            <a:off x="6013994" y="2166879"/>
+            <a:off x="6013994" y="2784392"/>
             <a:ext cx="1337616" cy="485975"/>
           </a:xfrm>
           <a:prstGeom prst="straightConnector1">
@@ -5600,7 +5601,7 @@
         </p:nvCxnSpPr>
         <p:spPr>
           <a:xfrm>
-            <a:off x="6013994" y="1633721"/>
+            <a:off x="6013994" y="2251234"/>
             <a:ext cx="1337616" cy="533158"/>
           </a:xfrm>
           <a:prstGeom prst="straightConnector1">
@@ -5646,7 +5647,7 @@
         </p:nvCxnSpPr>
         <p:spPr>
           <a:xfrm>
-            <a:off x="6013994" y="1633721"/>
+            <a:off x="6013994" y="2251234"/>
             <a:ext cx="1337616" cy="1795279"/>
           </a:xfrm>
           <a:prstGeom prst="straightConnector1">
@@ -5692,7 +5693,7 @@
         </p:nvCxnSpPr>
         <p:spPr>
           <a:xfrm>
-            <a:off x="6013994" y="1633721"/>
+            <a:off x="6013994" y="2251234"/>
             <a:ext cx="1337616" cy="3594429"/>
           </a:xfrm>
           <a:prstGeom prst="straightConnector1">
@@ -5738,7 +5739,7 @@
         </p:nvCxnSpPr>
         <p:spPr>
           <a:xfrm>
-            <a:off x="6013994" y="2652854"/>
+            <a:off x="6013994" y="3270367"/>
             <a:ext cx="1337616" cy="776146"/>
           </a:xfrm>
           <a:prstGeom prst="straightConnector1">
@@ -5784,7 +5785,7 @@
         </p:nvCxnSpPr>
         <p:spPr>
           <a:xfrm>
-            <a:off x="6013994" y="2652854"/>
+            <a:off x="6013994" y="3270367"/>
             <a:ext cx="1337616" cy="2575296"/>
           </a:xfrm>
           <a:prstGeom prst="straightConnector1">
@@ -5830,7 +5831,7 @@
         </p:nvCxnSpPr>
         <p:spPr>
           <a:xfrm flipV="1">
-            <a:off x="6013994" y="3429000"/>
+            <a:off x="6013994" y="4046513"/>
             <a:ext cx="1337616" cy="242987"/>
           </a:xfrm>
           <a:prstGeom prst="straightConnector1">
@@ -5876,7 +5877,7 @@
         </p:nvCxnSpPr>
         <p:spPr>
           <a:xfrm>
-            <a:off x="6013994" y="3671987"/>
+            <a:off x="6013994" y="4289500"/>
             <a:ext cx="1337616" cy="1556163"/>
           </a:xfrm>
           <a:prstGeom prst="straightConnector1">
@@ -5918,7 +5919,7 @@
         </p:nvSpPr>
         <p:spPr>
           <a:xfrm>
-            <a:off x="2156948" y="3636076"/>
+            <a:off x="2156948" y="4253589"/>
             <a:ext cx="335756" cy="1384995"/>
           </a:xfrm>
           <a:prstGeom prst="rect">
@@ -5980,7 +5981,7 @@
         </p:nvSpPr>
         <p:spPr>
           <a:xfrm>
-            <a:off x="4109119" y="3709143"/>
+            <a:off x="4109119" y="4326656"/>
             <a:ext cx="335756" cy="1384995"/>
           </a:xfrm>
           <a:prstGeom prst="rect">
@@ -6042,7 +6043,7 @@
         </p:nvSpPr>
         <p:spPr>
           <a:xfrm>
-            <a:off x="5600494" y="3697514"/>
+            <a:off x="5600494" y="4315027"/>
             <a:ext cx="335756" cy="1384995"/>
           </a:xfrm>
           <a:prstGeom prst="rect">
@@ -6104,7 +6105,7 @@
         </p:nvSpPr>
         <p:spPr>
           <a:xfrm>
-            <a:off x="7429354" y="3636077"/>
+            <a:off x="7429354" y="4253590"/>
             <a:ext cx="335756" cy="1384995"/>
           </a:xfrm>
           <a:prstGeom prst="rect">
@@ -6169,7 +6170,7 @@
         </p:nvCxnSpPr>
         <p:spPr>
           <a:xfrm>
-            <a:off x="609455" y="3428999"/>
+            <a:off x="609455" y="4046512"/>
             <a:ext cx="1469749" cy="1"/>
           </a:xfrm>
           <a:prstGeom prst="straightConnector1">
@@ -6215,7 +6216,7 @@
         </p:nvCxnSpPr>
         <p:spPr>
           <a:xfrm>
-            <a:off x="609455" y="5228150"/>
+            <a:off x="609455" y="5845663"/>
             <a:ext cx="1469749" cy="0"/>
           </a:xfrm>
           <a:prstGeom prst="straightConnector1">
@@ -6261,7 +6262,7 @@
         </p:nvCxnSpPr>
         <p:spPr>
           <a:xfrm>
-            <a:off x="609454" y="2166878"/>
+            <a:off x="609454" y="2784391"/>
             <a:ext cx="1469750" cy="1"/>
           </a:xfrm>
           <a:prstGeom prst="straightConnector1">
@@ -6306,7 +6307,7 @@
         </p:nvCxnSpPr>
         <p:spPr>
           <a:xfrm>
-            <a:off x="7842854" y="2166878"/>
+            <a:off x="7842854" y="2784391"/>
             <a:ext cx="1469750" cy="1"/>
           </a:xfrm>
           <a:prstGeom prst="straightConnector1">
@@ -6351,7 +6352,7 @@
         </p:nvCxnSpPr>
         <p:spPr>
           <a:xfrm>
-            <a:off x="7842854" y="3428999"/>
+            <a:off x="7842854" y="4046512"/>
             <a:ext cx="1469750" cy="1"/>
           </a:xfrm>
           <a:prstGeom prst="straightConnector1">
@@ -6396,7 +6397,7 @@
         </p:nvCxnSpPr>
         <p:spPr>
           <a:xfrm>
-            <a:off x="7842854" y="5228149"/>
+            <a:off x="7842854" y="5845662"/>
             <a:ext cx="1469750" cy="1"/>
           </a:xfrm>
           <a:prstGeom prst="straightConnector1">
@@ -6439,7 +6440,7 @@
         </p:nvSpPr>
         <p:spPr>
           <a:xfrm>
-            <a:off x="3513909" y="1220802"/>
+            <a:off x="3513909" y="1838315"/>
             <a:ext cx="3013634" cy="4500977"/>
           </a:xfrm>
           <a:prstGeom prst="rect">
@@ -6495,7 +6496,7 @@
         </p:nvSpPr>
         <p:spPr>
           <a:xfrm>
-            <a:off x="609455" y="1891247"/>
+            <a:off x="609455" y="2508760"/>
             <a:ext cx="1364200" cy="266578"/>
           </a:xfrm>
           <a:prstGeom prst="rect">
@@ -6566,7 +6567,7 @@
         </p:nvSpPr>
         <p:spPr>
           <a:xfrm>
-            <a:off x="609455" y="3153367"/>
+            <a:off x="609455" y="3770880"/>
             <a:ext cx="1364200" cy="266578"/>
           </a:xfrm>
           <a:prstGeom prst="rect">
@@ -6637,7 +6638,7 @@
         </p:nvSpPr>
         <p:spPr>
           <a:xfrm>
-            <a:off x="609454" y="4941725"/>
+            <a:off x="609454" y="5559238"/>
             <a:ext cx="1364200" cy="266578"/>
           </a:xfrm>
           <a:prstGeom prst="rect">
@@ -6716,7 +6717,7 @@
         </p:nvSpPr>
         <p:spPr>
           <a:xfrm>
-            <a:off x="7842855" y="1869160"/>
+            <a:off x="7842855" y="2486673"/>
             <a:ext cx="1364200" cy="266578"/>
           </a:xfrm>
           <a:prstGeom prst="rect">
@@ -6787,7 +6788,7 @@
         </p:nvSpPr>
         <p:spPr>
           <a:xfrm>
-            <a:off x="7842855" y="3131280"/>
+            <a:off x="7842855" y="3748793"/>
             <a:ext cx="1364200" cy="266578"/>
           </a:xfrm>
           <a:prstGeom prst="rect">
@@ -6858,7 +6859,7 @@
         </p:nvSpPr>
         <p:spPr>
           <a:xfrm>
-            <a:off x="7842854" y="4919638"/>
+            <a:off x="7842854" y="5537151"/>
             <a:ext cx="1364200" cy="266578"/>
           </a:xfrm>
           <a:prstGeom prst="rect">
@@ -6937,7 +6938,7 @@
         </p:nvSpPr>
         <p:spPr>
           <a:xfrm>
-            <a:off x="3513909" y="5830432"/>
+            <a:off x="3513909" y="6447945"/>
             <a:ext cx="3013634" cy="400110"/>
           </a:xfrm>
           <a:prstGeom prst="rect">
@@ -6975,7 +6976,7 @@
         </p:nvSpPr>
         <p:spPr>
           <a:xfrm>
-            <a:off x="-162488" y="5595419"/>
+            <a:off x="-162488" y="6212932"/>
             <a:ext cx="3013634" cy="400110"/>
           </a:xfrm>
           <a:prstGeom prst="rect">
@@ -7013,7 +7014,7 @@
         </p:nvSpPr>
         <p:spPr>
           <a:xfrm>
-            <a:off x="7070912" y="5595419"/>
+            <a:off x="7070912" y="6212932"/>
             <a:ext cx="3013634" cy="400110"/>
           </a:xfrm>
           <a:prstGeom prst="rect">
@@ -7037,6 +7038,74 @@
           </a:p>
         </p:txBody>
       </p:sp>
+      <p:pic>
+        <p:nvPicPr>
+          <p:cNvPr id="19" name="Picture 18">
+            <a:extLst>
+              <a:ext uri="{FF2B5EF4-FFF2-40B4-BE49-F238E27FC236}">
+                <a16:creationId xmlns:a16="http://schemas.microsoft.com/office/drawing/2014/main" id="{E3A83E50-A5CD-2DDE-CA02-51B5E7E1C090}"/>
+              </a:ext>
+            </a:extLst>
+          </p:cNvPr>
+          <p:cNvPicPr>
+            <a:picLocks noChangeAspect="1"/>
+          </p:cNvPicPr>
+          <p:nvPr>
+            <p:custDataLst>
+              <p:tags r:id="rId1"/>
+            </p:custDataLst>
+          </p:nvPr>
+        </p:nvPicPr>
+        <p:blipFill>
+          <a:blip r:embed="rId4"/>
+          <a:stretch>
+            <a:fillRect/>
+          </a:stretch>
+        </p:blipFill>
+        <p:spPr>
+          <a:xfrm>
+            <a:off x="5936250" y="276059"/>
+            <a:ext cx="4714878" cy="1487264"/>
+          </a:xfrm>
+          <a:prstGeom prst="rect">
+            <a:avLst/>
+          </a:prstGeom>
+        </p:spPr>
+      </p:pic>
+      <p:pic>
+        <p:nvPicPr>
+          <p:cNvPr id="16" name="Picture 15">
+            <a:extLst>
+              <a:ext uri="{FF2B5EF4-FFF2-40B4-BE49-F238E27FC236}">
+                <a16:creationId xmlns:a16="http://schemas.microsoft.com/office/drawing/2014/main" id="{5438E7DE-8254-F762-60EA-7EDE850440DB}"/>
+              </a:ext>
+            </a:extLst>
+          </p:cNvPr>
+          <p:cNvPicPr>
+            <a:picLocks noChangeAspect="1"/>
+          </p:cNvPicPr>
+          <p:nvPr>
+            <p:custDataLst>
+              <p:tags r:id="rId2"/>
+            </p:custDataLst>
+          </p:nvPr>
+        </p:nvPicPr>
+        <p:blipFill>
+          <a:blip r:embed="rId5"/>
+          <a:stretch>
+            <a:fillRect/>
+          </a:stretch>
+        </p:blipFill>
+        <p:spPr>
+          <a:xfrm>
+            <a:off x="732618" y="769350"/>
+            <a:ext cx="2848659" cy="702160"/>
+          </a:xfrm>
+          <a:prstGeom prst="rect">
+            <a:avLst/>
+          </a:prstGeom>
+        </p:spPr>
+      </p:pic>
     </p:spTree>
     <p:extLst>
       <p:ext uri="{BB962C8B-B14F-4D97-AF65-F5344CB8AC3E}">
@@ -7048,6 +7117,50 @@
     <a:masterClrMapping/>
   </p:clrMapOvr>
 </p:sld>
+</file>
+
+<file path=ppt/tags/tag1.xml><?xml version="1.0" encoding="utf-8"?>
+<p:tagLst xmlns:a="http://schemas.openxmlformats.org/drawingml/2006/main" xmlns:r="http://schemas.openxmlformats.org/officeDocument/2006/relationships" xmlns:p="http://schemas.openxmlformats.org/presentationml/2006/main">
+  <p:tag name="OUTPUTDPI" val=" 1200"/>
+  <p:tag name="ORIGINALHEIGHT" val=" 476"/>
+  <p:tag name="ORIGINALWIDTH" val=" 1509"/>
+  <p:tag name="OUTPUTTYPE" val="PNG"/>
+  <p:tag name="IGUANATEXVERSION" val="162"/>
+  <p:tag name="LATEXADDIN" val="\documentclass{article}&#10;\usepackage{amsmath}&#10;\pagestyle{empty}&#10;\begin{document}&#10;&#10;$$\mathcal{L}(\boldsymbol{w}) = \underbrace{\mathcal{L}_D(\boldsymbol{w})}_{\mathrm{Data}}+ \overbrace{\alpha_P\mathcal{L}_P(\boldsymbol{w})}^{\mathrm{Physics}}$$&#10;&#10;&#10;\end{document}"/>
+  <p:tag name="IGUANATEXSIZE" val="20"/>
+  <p:tag name="IGUANATEXCURSOR" val="173"/>
+  <p:tag name="TRANSPARENCY" val="True"/>
+  <p:tag name="CHOOSECOLOR" val="False"/>
+  <p:tag name="COLORHEX" val="000000"/>
+  <p:tag name="LATEXENGINEID" val="0"/>
+  <p:tag name="TEMPFOLDER" val="/Users/jonatanharaldsson/Library/Containers/com.microsoft.Powerpoint/Data/tmp/TemporaryItems/"/>
+  <p:tag name="LATEXFORMHEIGHT" val=" 426.65"/>
+  <p:tag name="LATEXFORMWIDTH" val=" 513.35"/>
+  <p:tag name="LATEXFORMWRAP" val="True"/>
+  <p:tag name="BITMAPVECTOR" val="0"/>
+</p:tagLst>
+</file>
+
+<file path=ppt/tags/tag2.xml><?xml version="1.0" encoding="utf-8"?>
+<p:tagLst xmlns:a="http://schemas.openxmlformats.org/drawingml/2006/main" xmlns:r="http://schemas.openxmlformats.org/officeDocument/2006/relationships" xmlns:p="http://schemas.openxmlformats.org/presentationml/2006/main">
+  <p:tag name="OUTPUTDPI" val=" 1200"/>
+  <p:tag name="ORIGINALHEIGHT" val=" 193"/>
+  <p:tag name="ORIGINALWIDTH" val=" 783"/>
+  <p:tag name="OUTPUTTYPE" val="PNG"/>
+  <p:tag name="IGUANATEXVERSION" val="162"/>
+  <p:tag name="LATEXADDIN" val="\documentclass{article}&#10;\usepackage{amsmath}&#10;\pagestyle{empty}&#10;\begin{document}&#10;&#10;$$\underset{\boldsymbol{w}}{\arg\!\min}\{\mathcal{L}(\boldsymbol{w})\}$$&#10;&#10;&#10;\end{document}"/>
+  <p:tag name="IGUANATEXSIZE" val="20"/>
+  <p:tag name="IGUANATEXCURSOR" val="151"/>
+  <p:tag name="TRANSPARENCY" val="True"/>
+  <p:tag name="CHOOSECOLOR" val="False"/>
+  <p:tag name="COLORHEX" val="000000"/>
+  <p:tag name="LATEXENGINEID" val="0"/>
+  <p:tag name="TEMPFOLDER" val="/Users/jonatanharaldsson/Library/Containers/com.microsoft.Powerpoint/Data/tmp/TemporaryItems/"/>
+  <p:tag name="LATEXFORMHEIGHT" val=" 426.65"/>
+  <p:tag name="LATEXFORMWIDTH" val=" 513.35"/>
+  <p:tag name="LATEXFORMWRAP" val="True"/>
+  <p:tag name="BITMAPVECTOR" val="0"/>
+</p:tagLst>
 </file>
 
 <file path=ppt/theme/theme1.xml><?xml version="1.0" encoding="utf-8"?>
